--- a/tex/figures/DescribingMotionInND/Figures.pptx
+++ b/tex/figures/DescribingMotionInND/Figures.pptx
@@ -6171,181 +6171,972 @@
       </p:grpSpPr>
       <p:grpSp>
         <p:nvGrpSpPr>
-          <p:cNvPr id="30" name="Group 29"/>
+          <p:cNvPr id="13" name="Group 12"/>
           <p:cNvGrpSpPr/>
           <p:nvPr/>
         </p:nvGrpSpPr>
         <p:grpSpPr>
           <a:xfrm>
-            <a:off x="2831009" y="344618"/>
-            <a:ext cx="8057522" cy="5494888"/>
-            <a:chOff x="2831009" y="262973"/>
-            <a:chExt cx="8057522" cy="5494888"/>
+            <a:off x="2531882" y="344618"/>
+            <a:ext cx="8356649" cy="5484254"/>
+            <a:chOff x="2531882" y="344618"/>
+            <a:chExt cx="8356649" cy="5484254"/>
           </a:xfrm>
         </p:grpSpPr>
-        <p:sp>
-          <p:nvSpPr>
-            <p:cNvPr id="6" name="Rectangle 5"/>
-            <p:cNvSpPr/>
+        <p:grpSp>
+          <p:nvGrpSpPr>
+            <p:cNvPr id="9" name="Group 8"/>
+            <p:cNvGrpSpPr/>
             <p:nvPr/>
-          </p:nvSpPr>
-          <p:spPr>
+          </p:nvGrpSpPr>
+          <p:grpSpPr>
             <a:xfrm>
-              <a:off x="5929312" y="1142999"/>
-              <a:ext cx="355864" cy="1950079"/>
+              <a:off x="2531882" y="344618"/>
+              <a:ext cx="8356649" cy="5484254"/>
+              <a:chOff x="2531882" y="344618"/>
+              <a:chExt cx="8356649" cy="5484254"/>
             </a:xfrm>
-            <a:prstGeom prst="rect">
-              <a:avLst/>
-            </a:prstGeom>
-            <a:solidFill>
-              <a:schemeClr val="tx1"/>
-            </a:solidFill>
-            <a:ln>
-              <a:solidFill>
-                <a:schemeClr val="tx1"/>
-              </a:solidFill>
-            </a:ln>
-          </p:spPr>
-          <p:style>
-            <a:lnRef idx="2">
-              <a:schemeClr val="accent1">
-                <a:shade val="50000"/>
-              </a:schemeClr>
-            </a:lnRef>
-            <a:fillRef idx="1">
-              <a:schemeClr val="accent1"/>
-            </a:fillRef>
-            <a:effectRef idx="0">
-              <a:schemeClr val="accent1"/>
-            </a:effectRef>
-            <a:fontRef idx="minor">
-              <a:schemeClr val="lt1"/>
-            </a:fontRef>
-          </p:style>
-          <p:txBody>
-            <a:bodyPr rtlCol="0" anchor="ctr"/>
-            <a:lstStyle/>
-            <a:p>
-              <a:pPr algn="ctr"/>
-              <a:endParaRPr lang="en-US"/>
-            </a:p>
-          </p:txBody>
-        </p:sp>
-        <p:sp>
-          <p:nvSpPr>
-            <p:cNvPr id="8" name="Rectangle 7"/>
-            <p:cNvSpPr/>
-            <p:nvPr/>
-          </p:nvSpPr>
-          <p:spPr>
-            <a:xfrm>
-              <a:off x="2943223" y="2423607"/>
-              <a:ext cx="714376" cy="685800"/>
-            </a:xfrm>
-            <a:prstGeom prst="rect">
-              <a:avLst/>
-            </a:prstGeom>
-            <a:solidFill>
-              <a:schemeClr val="bg2">
-                <a:lumMod val="75000"/>
-              </a:schemeClr>
-            </a:solidFill>
-            <a:ln w="38100">
-              <a:solidFill>
-                <a:schemeClr val="tx1"/>
-              </a:solidFill>
-            </a:ln>
-          </p:spPr>
-          <p:style>
-            <a:lnRef idx="2">
-              <a:schemeClr val="accent1">
-                <a:shade val="50000"/>
-              </a:schemeClr>
-            </a:lnRef>
-            <a:fillRef idx="1">
-              <a:schemeClr val="accent1"/>
-            </a:fillRef>
-            <a:effectRef idx="0">
-              <a:schemeClr val="accent1"/>
-            </a:effectRef>
-            <a:fontRef idx="minor">
-              <a:schemeClr val="lt1"/>
-            </a:fontRef>
-          </p:style>
-          <p:txBody>
-            <a:bodyPr rtlCol="0" anchor="ctr"/>
-            <a:lstStyle/>
-            <a:p>
-              <a:pPr algn="ctr"/>
-              <a:endParaRPr lang="en-US"/>
-            </a:p>
-          </p:txBody>
-        </p:sp>
-        <p:sp>
-          <p:nvSpPr>
-            <p:cNvPr id="11" name="Arc 10"/>
-            <p:cNvSpPr/>
-            <p:nvPr/>
-          </p:nvSpPr>
-          <p:spPr>
-            <a:xfrm rot="16200000">
-              <a:off x="4480919" y="-119657"/>
-              <a:ext cx="4697011" cy="7058025"/>
-            </a:xfrm>
-            <a:prstGeom prst="arc">
-              <a:avLst>
-                <a:gd name="adj1" fmla="val 17237432"/>
-                <a:gd name="adj2" fmla="val 5082040"/>
-              </a:avLst>
-            </a:prstGeom>
-            <a:ln w="38100">
-              <a:solidFill>
-                <a:schemeClr val="tx1"/>
-              </a:solidFill>
-              <a:prstDash val="dash"/>
-            </a:ln>
-          </p:spPr>
-          <p:style>
-            <a:lnRef idx="1">
-              <a:schemeClr val="accent1"/>
-            </a:lnRef>
-            <a:fillRef idx="0">
-              <a:schemeClr val="accent1"/>
-            </a:fillRef>
-            <a:effectRef idx="0">
-              <a:schemeClr val="accent1"/>
-            </a:effectRef>
-            <a:fontRef idx="minor">
-              <a:schemeClr val="tx1"/>
-            </a:fontRef>
-          </p:style>
-          <p:txBody>
-            <a:bodyPr rtlCol="0" anchor="ctr"/>
-            <a:lstStyle/>
-            <a:p>
-              <a:pPr algn="ctr"/>
-              <a:endParaRPr lang="en-US"/>
-            </a:p>
-          </p:txBody>
-        </p:sp>
+          </p:grpSpPr>
+          <p:grpSp>
+            <p:nvGrpSpPr>
+              <p:cNvPr id="5" name="Group 4"/>
+              <p:cNvGrpSpPr/>
+              <p:nvPr/>
+            </p:nvGrpSpPr>
+            <p:grpSpPr>
+              <a:xfrm>
+                <a:off x="2831009" y="344618"/>
+                <a:ext cx="8057522" cy="5484254"/>
+                <a:chOff x="2831009" y="344618"/>
+                <a:chExt cx="8057522" cy="5484254"/>
+              </a:xfrm>
+            </p:grpSpPr>
+            <p:grpSp>
+              <p:nvGrpSpPr>
+                <p:cNvPr id="30" name="Group 29"/>
+                <p:cNvGrpSpPr/>
+                <p:nvPr/>
+              </p:nvGrpSpPr>
+              <p:grpSpPr>
+                <a:xfrm>
+                  <a:off x="2831009" y="344618"/>
+                  <a:ext cx="8057522" cy="5484254"/>
+                  <a:chOff x="2831009" y="262973"/>
+                  <a:chExt cx="8057522" cy="5484254"/>
+                </a:xfrm>
+              </p:grpSpPr>
+              <p:sp>
+                <p:nvSpPr>
+                  <p:cNvPr id="6" name="Rectangle 5"/>
+                  <p:cNvSpPr/>
+                  <p:nvPr/>
+                </p:nvSpPr>
+                <p:spPr>
+                  <a:xfrm>
+                    <a:off x="5929312" y="1142999"/>
+                    <a:ext cx="355864" cy="1950079"/>
+                  </a:xfrm>
+                  <a:prstGeom prst="rect">
+                    <a:avLst/>
+                  </a:prstGeom>
+                  <a:solidFill>
+                    <a:schemeClr val="bg2">
+                      <a:lumMod val="90000"/>
+                    </a:schemeClr>
+                  </a:solidFill>
+                  <a:ln w="19050">
+                    <a:solidFill>
+                      <a:schemeClr val="tx1"/>
+                    </a:solidFill>
+                  </a:ln>
+                </p:spPr>
+                <p:style>
+                  <a:lnRef idx="2">
+                    <a:schemeClr val="accent1">
+                      <a:shade val="50000"/>
+                    </a:schemeClr>
+                  </a:lnRef>
+                  <a:fillRef idx="1">
+                    <a:schemeClr val="accent1"/>
+                  </a:fillRef>
+                  <a:effectRef idx="0">
+                    <a:schemeClr val="accent1"/>
+                  </a:effectRef>
+                  <a:fontRef idx="minor">
+                    <a:schemeClr val="lt1"/>
+                  </a:fontRef>
+                </p:style>
+                <p:txBody>
+                  <a:bodyPr rtlCol="0" anchor="ctr"/>
+                  <a:lstStyle/>
+                  <a:p>
+                    <a:pPr algn="ctr"/>
+                    <a:endParaRPr lang="en-US"/>
+                  </a:p>
+                </p:txBody>
+              </p:sp>
+              <p:sp>
+                <p:nvSpPr>
+                  <p:cNvPr id="11" name="Arc 10"/>
+                  <p:cNvSpPr/>
+                  <p:nvPr/>
+                </p:nvSpPr>
+                <p:spPr>
+                  <a:xfrm rot="16200000">
+                    <a:off x="4129852" y="-122064"/>
+                    <a:ext cx="4680557" cy="7058025"/>
+                  </a:xfrm>
+                  <a:prstGeom prst="arc">
+                    <a:avLst>
+                      <a:gd name="adj1" fmla="val 16507090"/>
+                      <a:gd name="adj2" fmla="val 5082040"/>
+                    </a:avLst>
+                  </a:prstGeom>
+                  <a:ln w="38100">
+                    <a:solidFill>
+                      <a:schemeClr val="tx1"/>
+                    </a:solidFill>
+                    <a:prstDash val="dash"/>
+                  </a:ln>
+                </p:spPr>
+                <p:style>
+                  <a:lnRef idx="1">
+                    <a:schemeClr val="accent1"/>
+                  </a:lnRef>
+                  <a:fillRef idx="0">
+                    <a:schemeClr val="accent1"/>
+                  </a:fillRef>
+                  <a:effectRef idx="0">
+                    <a:schemeClr val="accent1"/>
+                  </a:effectRef>
+                  <a:fontRef idx="minor">
+                    <a:schemeClr val="tx1"/>
+                  </a:fontRef>
+                </p:style>
+                <p:txBody>
+                  <a:bodyPr rtlCol="0" anchor="ctr"/>
+                  <a:lstStyle/>
+                  <a:p>
+                    <a:pPr algn="ctr"/>
+                    <a:endParaRPr lang="en-US"/>
+                  </a:p>
+                </p:txBody>
+              </p:sp>
+              <p:cxnSp>
+                <p:nvCxnSpPr>
+                  <p:cNvPr id="15" name="Straight Arrow Connector 14"/>
+                  <p:cNvCxnSpPr/>
+                  <p:nvPr/>
+                </p:nvCxnSpPr>
+                <p:spPr>
+                  <a:xfrm flipV="1">
+                    <a:off x="2962384" y="1845870"/>
+                    <a:ext cx="390539" cy="1242002"/>
+                  </a:xfrm>
+                  <a:prstGeom prst="straightConnector1">
+                    <a:avLst/>
+                  </a:prstGeom>
+                  <a:ln w="38100">
+                    <a:solidFill>
+                      <a:schemeClr val="tx1"/>
+                    </a:solidFill>
+                    <a:tailEnd type="triangle"/>
+                  </a:ln>
+                </p:spPr>
+                <p:style>
+                  <a:lnRef idx="1">
+                    <a:schemeClr val="accent1"/>
+                  </a:lnRef>
+                  <a:fillRef idx="0">
+                    <a:schemeClr val="accent1"/>
+                  </a:fillRef>
+                  <a:effectRef idx="0">
+                    <a:schemeClr val="accent1"/>
+                  </a:effectRef>
+                  <a:fontRef idx="minor">
+                    <a:schemeClr val="tx1"/>
+                  </a:fontRef>
+                </p:style>
+              </p:cxnSp>
+              <mc:AlternateContent xmlns:mc="http://schemas.openxmlformats.org/markup-compatibility/2006">
+                <mc:Choice xmlns:a14="http://schemas.microsoft.com/office/drawing/2010/main" Requires="a14">
+                  <p:sp>
+                    <p:nvSpPr>
+                      <p:cNvPr id="18" name="TextBox 17"/>
+                      <p:cNvSpPr txBox="1"/>
+                      <p:nvPr/>
+                    </p:nvSpPr>
+                    <p:spPr>
+                      <a:xfrm>
+                        <a:off x="3069522" y="1547605"/>
+                        <a:ext cx="407612" cy="553998"/>
+                      </a:xfrm>
+                      <a:prstGeom prst="rect">
+                        <a:avLst/>
+                      </a:prstGeom>
+                      <a:noFill/>
+                    </p:spPr>
+                    <p:txBody>
+                      <a:bodyPr wrap="none" lIns="0" tIns="0" rIns="0" bIns="0" rtlCol="0">
+                        <a:spAutoFit/>
+                      </a:bodyPr>
+                      <a:lstStyle/>
+                      <a:p>
+                        <a:pPr/>
+                        <a14:m>
+                          <m:oMathPara xmlns:m="http://schemas.openxmlformats.org/officeDocument/2006/math">
+                            <m:oMathParaPr>
+                              <m:jc m:val="centerGroup"/>
+                            </m:oMathParaPr>
+                            <m:oMath xmlns:m="http://schemas.openxmlformats.org/officeDocument/2006/math">
+                              <m:sSub>
+                                <m:sSubPr>
+                                  <m:ctrlPr>
+                                    <a:rPr lang="en-CA" b="0" i="1" smtClean="0">
+                                      <a:latin typeface="Cambria Math" charset="0"/>
+                                    </a:rPr>
+                                  </m:ctrlPr>
+                                </m:sSubPr>
+                                <m:e>
+                                  <m:acc>
+                                    <m:accPr>
+                                      <m:chr m:val="⃗"/>
+                                      <m:ctrlPr>
+                                        <a:rPr lang="en-CA" b="0" i="1" smtClean="0">
+                                          <a:latin typeface="Cambria Math" charset="0"/>
+                                        </a:rPr>
+                                      </m:ctrlPr>
+                                    </m:accPr>
+                                    <m:e>
+                                      <m:r>
+                                        <a:rPr lang="en-CA" b="0" i="1" smtClean="0">
+                                          <a:latin typeface="Cambria Math" charset="0"/>
+                                        </a:rPr>
+                                        <m:t>𝑣</m:t>
+                                      </m:r>
+                                    </m:e>
+                                  </m:acc>
+                                </m:e>
+                                <m:sub>
+                                  <m:r>
+                                    <a:rPr lang="en-CA" b="0" i="1" smtClean="0">
+                                      <a:latin typeface="Cambria Math" charset="0"/>
+                                    </a:rPr>
+                                    <m:t>0</m:t>
+                                  </m:r>
+                                </m:sub>
+                              </m:sSub>
+                            </m:oMath>
+                          </m:oMathPara>
+                        </a14:m>
+                        <a:endParaRPr lang="en-CA" b="0" dirty="0" smtClean="0"/>
+                      </a:p>
+                      <a:p>
+                        <a:endParaRPr lang="en-US" dirty="0"/>
+                      </a:p>
+                    </p:txBody>
+                  </p:sp>
+                </mc:Choice>
+                <mc:Fallback>
+                  <p:sp>
+                    <p:nvSpPr>
+                      <p:cNvPr id="18" name="TextBox 17"/>
+                      <p:cNvSpPr txBox="1">
+                        <a:spLocks noRot="1" noChangeAspect="1" noMove="1" noResize="1" noEditPoints="1" noAdjustHandles="1" noChangeArrowheads="1" noChangeShapeType="1" noTextEdit="1"/>
+                      </p:cNvSpPr>
+                      <p:nvPr/>
+                    </p:nvSpPr>
+                    <p:spPr>
+                      <a:xfrm>
+                        <a:off x="3069522" y="1547605"/>
+                        <a:ext cx="407612" cy="553998"/>
+                      </a:xfrm>
+                      <a:prstGeom prst="rect">
+                        <a:avLst/>
+                      </a:prstGeom>
+                      <a:blipFill rotWithShape="0">
+                        <a:blip r:embed="rId2"/>
+                        <a:stretch>
+                          <a:fillRect t="-18681" r="-45455"/>
+                        </a:stretch>
+                      </a:blipFill>
+                    </p:spPr>
+                    <p:txBody>
+                      <a:bodyPr/>
+                      <a:lstStyle/>
+                      <a:p>
+                        <a:r>
+                          <a:rPr lang="en-US">
+                            <a:noFill/>
+                          </a:rPr>
+                          <a:t> </a:t>
+                        </a:r>
+                      </a:p>
+                    </p:txBody>
+                  </p:sp>
+                </mc:Fallback>
+              </mc:AlternateContent>
+              <mc:AlternateContent xmlns:mc="http://schemas.openxmlformats.org/markup-compatibility/2006">
+                <mc:Choice xmlns:a14="http://schemas.microsoft.com/office/drawing/2010/main" Requires="a14">
+                  <p:sp>
+                    <p:nvSpPr>
+                      <p:cNvPr id="24" name="TextBox 23"/>
+                      <p:cNvSpPr txBox="1"/>
+                      <p:nvPr/>
+                    </p:nvSpPr>
+                    <p:spPr>
+                      <a:xfrm>
+                        <a:off x="6716486" y="1983194"/>
+                        <a:ext cx="601127" cy="276999"/>
+                      </a:xfrm>
+                      <a:prstGeom prst="rect">
+                        <a:avLst/>
+                      </a:prstGeom>
+                      <a:noFill/>
+                    </p:spPr>
+                    <p:txBody>
+                      <a:bodyPr wrap="none" lIns="0" tIns="0" rIns="0" bIns="0" rtlCol="0">
+                        <a:spAutoFit/>
+                      </a:bodyPr>
+                      <a:lstStyle/>
+                      <a:p>
+                        <a:pPr/>
+                        <a14:m>
+                          <m:oMathPara xmlns:m="http://schemas.openxmlformats.org/officeDocument/2006/math">
+                            <m:oMathParaPr>
+                              <m:jc m:val="centerGroup"/>
+                            </m:oMathParaPr>
+                            <m:oMath xmlns:m="http://schemas.openxmlformats.org/officeDocument/2006/math">
+                              <m:r>
+                                <a:rPr lang="en-CA" b="0" i="1" smtClean="0">
+                                  <a:latin typeface="Cambria Math" charset="0"/>
+                                </a:rPr>
+                                <m:t>0.5</m:t>
+                              </m:r>
+                              <m:r>
+                                <m:rPr>
+                                  <m:nor/>
+                                </m:rPr>
+                                <a:rPr lang="en-CA" b="0" i="0" smtClean="0">
+                                  <a:latin typeface="Cambria Math" charset="0"/>
+                                </a:rPr>
+                                <m:t> </m:t>
+                              </m:r>
+                              <m:r>
+                                <m:rPr>
+                                  <m:nor/>
+                                </m:rPr>
+                                <a:rPr lang="en-CA" b="0" i="0" smtClean="0">
+                                  <a:latin typeface="Cambria Math" charset="0"/>
+                                </a:rPr>
+                                <m:t>m</m:t>
+                              </m:r>
+                            </m:oMath>
+                          </m:oMathPara>
+                        </a14:m>
+                        <a:endParaRPr lang="en-US" dirty="0"/>
+                      </a:p>
+                    </p:txBody>
+                  </p:sp>
+                </mc:Choice>
+                <mc:Fallback>
+                  <p:sp>
+                    <p:nvSpPr>
+                      <p:cNvPr id="24" name="TextBox 23"/>
+                      <p:cNvSpPr txBox="1">
+                        <a:spLocks noRot="1" noChangeAspect="1" noMove="1" noResize="1" noEditPoints="1" noAdjustHandles="1" noChangeArrowheads="1" noChangeShapeType="1" noTextEdit="1"/>
+                      </p:cNvSpPr>
+                      <p:nvPr/>
+                    </p:nvSpPr>
+                    <p:spPr>
+                      <a:xfrm>
+                        <a:off x="6716486" y="1983194"/>
+                        <a:ext cx="601127" cy="276999"/>
+                      </a:xfrm>
+                      <a:prstGeom prst="rect">
+                        <a:avLst/>
+                      </a:prstGeom>
+                      <a:blipFill rotWithShape="0">
+                        <a:blip r:embed="rId3"/>
+                        <a:stretch>
+                          <a:fillRect l="-9184" t="-146667" r="-6122" b="-180000"/>
+                        </a:stretch>
+                      </a:blipFill>
+                    </p:spPr>
+                    <p:txBody>
+                      <a:bodyPr/>
+                      <a:lstStyle/>
+                      <a:p>
+                        <a:r>
+                          <a:rPr lang="en-US">
+                            <a:noFill/>
+                          </a:rPr>
+                          <a:t> </a:t>
+                        </a:r>
+                      </a:p>
+                    </p:txBody>
+                  </p:sp>
+                </mc:Fallback>
+              </mc:AlternateContent>
+              <p:cxnSp>
+                <p:nvCxnSpPr>
+                  <p:cNvPr id="25" name="Straight Arrow Connector 24"/>
+                  <p:cNvCxnSpPr/>
+                  <p:nvPr/>
+                </p:nvCxnSpPr>
+                <p:spPr>
+                  <a:xfrm flipV="1">
+                    <a:off x="2943223" y="625136"/>
+                    <a:ext cx="3190" cy="2484000"/>
+                  </a:xfrm>
+                  <a:prstGeom prst="straightConnector1">
+                    <a:avLst/>
+                  </a:prstGeom>
+                  <a:ln w="28575">
+                    <a:solidFill>
+                      <a:schemeClr val="tx1"/>
+                    </a:solidFill>
+                    <a:tailEnd type="triangle"/>
+                  </a:ln>
+                </p:spPr>
+                <p:style>
+                  <a:lnRef idx="1">
+                    <a:schemeClr val="accent1"/>
+                  </a:lnRef>
+                  <a:fillRef idx="0">
+                    <a:schemeClr val="accent1"/>
+                  </a:fillRef>
+                  <a:effectRef idx="0">
+                    <a:schemeClr val="accent1"/>
+                  </a:effectRef>
+                  <a:fontRef idx="minor">
+                    <a:schemeClr val="tx1"/>
+                  </a:fontRef>
+                </p:style>
+              </p:cxnSp>
+              <p:cxnSp>
+                <p:nvCxnSpPr>
+                  <p:cNvPr id="26" name="Straight Arrow Connector 25"/>
+                  <p:cNvCxnSpPr/>
+                  <p:nvPr/>
+                </p:nvCxnSpPr>
+                <p:spPr>
+                  <a:xfrm flipV="1">
+                    <a:off x="2934106" y="3100946"/>
+                    <a:ext cx="7668000" cy="0"/>
+                  </a:xfrm>
+                  <a:prstGeom prst="straightConnector1">
+                    <a:avLst/>
+                  </a:prstGeom>
+                  <a:ln w="28575">
+                    <a:solidFill>
+                      <a:schemeClr val="tx1"/>
+                    </a:solidFill>
+                    <a:tailEnd type="triangle"/>
+                  </a:ln>
+                </p:spPr>
+                <p:style>
+                  <a:lnRef idx="1">
+                    <a:schemeClr val="accent1"/>
+                  </a:lnRef>
+                  <a:fillRef idx="0">
+                    <a:schemeClr val="accent1"/>
+                  </a:fillRef>
+                  <a:effectRef idx="0">
+                    <a:schemeClr val="accent1"/>
+                  </a:effectRef>
+                  <a:fontRef idx="minor">
+                    <a:schemeClr val="tx1"/>
+                  </a:fontRef>
+                </p:style>
+              </p:cxnSp>
+              <mc:AlternateContent xmlns:mc="http://schemas.openxmlformats.org/markup-compatibility/2006" xmlns:a14="http://schemas.microsoft.com/office/drawing/2010/main">
+                <mc:Choice Requires="a14">
+                  <p:sp>
+                    <p:nvSpPr>
+                      <p:cNvPr id="27" name="TextBox 26"/>
+                      <p:cNvSpPr txBox="1"/>
+                      <p:nvPr/>
+                    </p:nvSpPr>
+                    <p:spPr>
+                      <a:xfrm>
+                        <a:off x="10705212" y="2954578"/>
+                        <a:ext cx="183319" cy="276999"/>
+                      </a:xfrm>
+                      <a:prstGeom prst="rect">
+                        <a:avLst/>
+                      </a:prstGeom>
+                      <a:noFill/>
+                    </p:spPr>
+                    <p:txBody>
+                      <a:bodyPr wrap="none" lIns="0" tIns="0" rIns="0" bIns="0" rtlCol="0">
+                        <a:spAutoFit/>
+                      </a:bodyPr>
+                      <a:lstStyle/>
+                      <a:p>
+                        <a:pPr/>
+                        <a14:m>
+                          <m:oMathPara xmlns:m="http://schemas.openxmlformats.org/officeDocument/2006/math">
+                            <m:oMathParaPr>
+                              <m:jc m:val="centerGroup"/>
+                            </m:oMathParaPr>
+                            <m:oMath xmlns:m="http://schemas.openxmlformats.org/officeDocument/2006/math">
+                              <m:r>
+                                <a:rPr lang="en-CA" b="0" i="1" smtClean="0">
+                                  <a:latin typeface="Cambria Math" charset="0"/>
+                                </a:rPr>
+                                <m:t>𝑥</m:t>
+                              </m:r>
+                            </m:oMath>
+                          </m:oMathPara>
+                        </a14:m>
+                        <a:endParaRPr lang="en-US" dirty="0"/>
+                      </a:p>
+                    </p:txBody>
+                  </p:sp>
+                </mc:Choice>
+                <mc:Fallback xmlns="">
+                  <p:sp>
+                    <p:nvSpPr>
+                      <p:cNvPr id="27" name="TextBox 26"/>
+                      <p:cNvSpPr txBox="1">
+                        <a:spLocks noRot="1" noChangeAspect="1" noMove="1" noResize="1" noEditPoints="1" noAdjustHandles="1" noChangeArrowheads="1" noChangeShapeType="1" noTextEdit="1"/>
+                      </p:cNvSpPr>
+                      <p:nvPr/>
+                    </p:nvSpPr>
+                    <p:spPr>
+                      <a:xfrm>
+                        <a:off x="10705212" y="2954578"/>
+                        <a:ext cx="183319" cy="276999"/>
+                      </a:xfrm>
+                      <a:prstGeom prst="rect">
+                        <a:avLst/>
+                      </a:prstGeom>
+                      <a:blipFill rotWithShape="0">
+                        <a:blip r:embed="rId4"/>
+                        <a:stretch>
+                          <a:fillRect l="-16667" r="-13333"/>
+                        </a:stretch>
+                      </a:blipFill>
+                    </p:spPr>
+                    <p:txBody>
+                      <a:bodyPr/>
+                      <a:lstStyle/>
+                      <a:p>
+                        <a:r>
+                          <a:rPr lang="en-US">
+                            <a:noFill/>
+                          </a:rPr>
+                          <a:t> </a:t>
+                        </a:r>
+                      </a:p>
+                    </p:txBody>
+                  </p:sp>
+                </mc:Fallback>
+              </mc:AlternateContent>
+              <mc:AlternateContent xmlns:mc="http://schemas.openxmlformats.org/markup-compatibility/2006" xmlns:a14="http://schemas.microsoft.com/office/drawing/2010/main">
+                <mc:Choice Requires="a14">
+                  <p:sp>
+                    <p:nvSpPr>
+                      <p:cNvPr id="28" name="TextBox 27"/>
+                      <p:cNvSpPr txBox="1"/>
+                      <p:nvPr/>
+                    </p:nvSpPr>
+                    <p:spPr>
+                      <a:xfrm>
+                        <a:off x="2831009" y="262973"/>
+                        <a:ext cx="186718" cy="276999"/>
+                      </a:xfrm>
+                      <a:prstGeom prst="rect">
+                        <a:avLst/>
+                      </a:prstGeom>
+                      <a:noFill/>
+                    </p:spPr>
+                    <p:txBody>
+                      <a:bodyPr wrap="none" lIns="0" tIns="0" rIns="0" bIns="0" rtlCol="0">
+                        <a:spAutoFit/>
+                      </a:bodyPr>
+                      <a:lstStyle/>
+                      <a:p>
+                        <a:pPr/>
+                        <a14:m>
+                          <m:oMathPara xmlns:m="http://schemas.openxmlformats.org/officeDocument/2006/math">
+                            <m:oMathParaPr>
+                              <m:jc m:val="centerGroup"/>
+                            </m:oMathParaPr>
+                            <m:oMath xmlns:m="http://schemas.openxmlformats.org/officeDocument/2006/math">
+                              <m:r>
+                                <a:rPr lang="en-CA" b="0" i="1" smtClean="0">
+                                  <a:latin typeface="Cambria Math" charset="0"/>
+                                </a:rPr>
+                                <m:t>𝑦</m:t>
+                              </m:r>
+                            </m:oMath>
+                          </m:oMathPara>
+                        </a14:m>
+                        <a:endParaRPr lang="en-US" dirty="0"/>
+                      </a:p>
+                    </p:txBody>
+                  </p:sp>
+                </mc:Choice>
+                <mc:Fallback xmlns="">
+                  <p:sp>
+                    <p:nvSpPr>
+                      <p:cNvPr id="28" name="TextBox 27"/>
+                      <p:cNvSpPr txBox="1">
+                        <a:spLocks noRot="1" noChangeAspect="1" noMove="1" noResize="1" noEditPoints="1" noAdjustHandles="1" noChangeArrowheads="1" noChangeShapeType="1" noTextEdit="1"/>
+                      </p:cNvSpPr>
+                      <p:nvPr/>
+                    </p:nvSpPr>
+                    <p:spPr>
+                      <a:xfrm>
+                        <a:off x="2831009" y="262973"/>
+                        <a:ext cx="186718" cy="276999"/>
+                      </a:xfrm>
+                      <a:prstGeom prst="rect">
+                        <a:avLst/>
+                      </a:prstGeom>
+                      <a:blipFill rotWithShape="0">
+                        <a:blip r:embed="rId5"/>
+                        <a:stretch>
+                          <a:fillRect l="-29032" r="-25806" b="-24444"/>
+                        </a:stretch>
+                      </a:blipFill>
+                    </p:spPr>
+                    <p:txBody>
+                      <a:bodyPr/>
+                      <a:lstStyle/>
+                      <a:p>
+                        <a:r>
+                          <a:rPr lang="en-US">
+                            <a:noFill/>
+                          </a:rPr>
+                          <a:t> </a:t>
+                        </a:r>
+                      </a:p>
+                    </p:txBody>
+                  </p:sp>
+                </mc:Fallback>
+              </mc:AlternateContent>
+            </p:grpSp>
+            <p:sp>
+              <p:nvSpPr>
+                <p:cNvPr id="2" name="Oval 1"/>
+                <p:cNvSpPr/>
+                <p:nvPr/>
+              </p:nvSpPr>
+              <p:spPr>
+                <a:xfrm>
+                  <a:off x="2879313" y="3103264"/>
+                  <a:ext cx="144000" cy="144000"/>
+                </a:xfrm>
+                <a:prstGeom prst="ellipse">
+                  <a:avLst/>
+                </a:prstGeom>
+                <a:solidFill>
+                  <a:schemeClr val="tx1"/>
+                </a:solidFill>
+                <a:ln>
+                  <a:solidFill>
+                    <a:schemeClr val="tx1"/>
+                  </a:solidFill>
+                </a:ln>
+              </p:spPr>
+              <p:style>
+                <a:lnRef idx="2">
+                  <a:schemeClr val="accent1">
+                    <a:shade val="50000"/>
+                  </a:schemeClr>
+                </a:lnRef>
+                <a:fillRef idx="1">
+                  <a:schemeClr val="accent1"/>
+                </a:fillRef>
+                <a:effectRef idx="0">
+                  <a:schemeClr val="accent1"/>
+                </a:effectRef>
+                <a:fontRef idx="minor">
+                  <a:schemeClr val="lt1"/>
+                </a:fontRef>
+              </p:style>
+              <p:txBody>
+                <a:bodyPr rtlCol="0" anchor="ctr"/>
+                <a:lstStyle/>
+                <a:p>
+                  <a:pPr algn="ctr"/>
+                  <a:endParaRPr lang="en-US"/>
+                </a:p>
+              </p:txBody>
+            </p:sp>
+          </p:grpSp>
+          <mc:AlternateContent xmlns:mc="http://schemas.openxmlformats.org/markup-compatibility/2006">
+            <mc:Choice xmlns:a14="http://schemas.microsoft.com/office/drawing/2010/main" Requires="a14">
+              <p:sp>
+                <p:nvSpPr>
+                  <p:cNvPr id="7" name="TextBox 6"/>
+                  <p:cNvSpPr txBox="1"/>
+                  <p:nvPr/>
+                </p:nvSpPr>
+                <p:spPr>
+                  <a:xfrm>
+                    <a:off x="2951313" y="3260659"/>
+                    <a:ext cx="682046" cy="276999"/>
+                  </a:xfrm>
+                  <a:prstGeom prst="rect">
+                    <a:avLst/>
+                  </a:prstGeom>
+                  <a:noFill/>
+                </p:spPr>
+                <p:txBody>
+                  <a:bodyPr wrap="none" lIns="0" tIns="0" rIns="0" bIns="0" rtlCol="0">
+                    <a:spAutoFit/>
+                  </a:bodyPr>
+                  <a:lstStyle/>
+                  <a:p>
+                    <a14:m>
+                      <m:oMathPara xmlns:m="http://schemas.openxmlformats.org/officeDocument/2006/math">
+                        <m:oMathParaPr>
+                          <m:jc m:val="centerGroup"/>
+                        </m:oMathParaPr>
+                        <m:oMath xmlns:m="http://schemas.openxmlformats.org/officeDocument/2006/math">
+                          <m:r>
+                            <a:rPr lang="en-CA" b="0" i="1" smtClean="0">
+                              <a:latin typeface="Cambria Math" charset="0"/>
+                            </a:rPr>
+                            <m:t>𝐸𝑡h𝑎𝑛</m:t>
+                          </m:r>
+                        </m:oMath>
+                      </m:oMathPara>
+                    </a14:m>
+                    <a:endParaRPr lang="en-US" dirty="0"/>
+                  </a:p>
+                </p:txBody>
+              </p:sp>
+            </mc:Choice>
+            <mc:Fallback>
+              <p:sp>
+                <p:nvSpPr>
+                  <p:cNvPr id="7" name="TextBox 6"/>
+                  <p:cNvSpPr txBox="1">
+                    <a:spLocks noRot="1" noChangeAspect="1" noMove="1" noResize="1" noEditPoints="1" noAdjustHandles="1" noChangeArrowheads="1" noChangeShapeType="1" noTextEdit="1"/>
+                  </p:cNvSpPr>
+                  <p:nvPr/>
+                </p:nvSpPr>
+                <p:spPr>
+                  <a:xfrm>
+                    <a:off x="2951313" y="3260659"/>
+                    <a:ext cx="682046" cy="276999"/>
+                  </a:xfrm>
+                  <a:prstGeom prst="rect">
+                    <a:avLst/>
+                  </a:prstGeom>
+                  <a:blipFill rotWithShape="0">
+                    <a:blip r:embed="rId6"/>
+                    <a:stretch>
+                      <a:fillRect l="-8036" r="-8929" b="-11111"/>
+                    </a:stretch>
+                  </a:blipFill>
+                </p:spPr>
+                <p:txBody>
+                  <a:bodyPr/>
+                  <a:lstStyle/>
+                  <a:p>
+                    <a:r>
+                      <a:rPr lang="en-US">
+                        <a:noFill/>
+                      </a:rPr>
+                      <a:t> </a:t>
+                    </a:r>
+                  </a:p>
+                </p:txBody>
+              </p:sp>
+            </mc:Fallback>
+          </mc:AlternateContent>
+          <mc:AlternateContent xmlns:mc="http://schemas.openxmlformats.org/markup-compatibility/2006">
+            <mc:Choice xmlns:a14="http://schemas.microsoft.com/office/drawing/2010/main" Requires="a14">
+              <p:sp>
+                <p:nvSpPr>
+                  <p:cNvPr id="22" name="TextBox 21"/>
+                  <p:cNvSpPr txBox="1"/>
+                  <p:nvPr/>
+                </p:nvSpPr>
+                <p:spPr>
+                  <a:xfrm>
+                    <a:off x="5733616" y="3261919"/>
+                    <a:ext cx="747256" cy="276999"/>
+                  </a:xfrm>
+                  <a:prstGeom prst="rect">
+                    <a:avLst/>
+                  </a:prstGeom>
+                  <a:noFill/>
+                </p:spPr>
+                <p:txBody>
+                  <a:bodyPr wrap="none" lIns="0" tIns="0" rIns="0" bIns="0" rtlCol="0">
+                    <a:spAutoFit/>
+                  </a:bodyPr>
+                  <a:lstStyle/>
+                  <a:p>
+                    <a14:m>
+                      <m:oMathPara xmlns:m="http://schemas.openxmlformats.org/officeDocument/2006/math">
+                        <m:oMathParaPr>
+                          <m:jc m:val="centerGroup"/>
+                        </m:oMathParaPr>
+                        <m:oMath xmlns:m="http://schemas.openxmlformats.org/officeDocument/2006/math">
+                          <m:r>
+                            <a:rPr lang="en-CA" b="0" i="1" smtClean="0">
+                              <a:latin typeface="Cambria Math" charset="0"/>
+                            </a:rPr>
+                            <m:t>h𝑢𝑟𝑑𝑙𝑒</m:t>
+                          </m:r>
+                        </m:oMath>
+                      </m:oMathPara>
+                    </a14:m>
+                    <a:endParaRPr lang="en-US" dirty="0"/>
+                  </a:p>
+                </p:txBody>
+              </p:sp>
+            </mc:Choice>
+            <mc:Fallback>
+              <p:sp>
+                <p:nvSpPr>
+                  <p:cNvPr id="22" name="TextBox 21"/>
+                  <p:cNvSpPr txBox="1">
+                    <a:spLocks noRot="1" noChangeAspect="1" noMove="1" noResize="1" noEditPoints="1" noAdjustHandles="1" noChangeArrowheads="1" noChangeShapeType="1" noTextEdit="1"/>
+                  </p:cNvSpPr>
+                  <p:nvPr/>
+                </p:nvSpPr>
+                <p:spPr>
+                  <a:xfrm>
+                    <a:off x="5733616" y="3261919"/>
+                    <a:ext cx="747256" cy="276999"/>
+                  </a:xfrm>
+                  <a:prstGeom prst="rect">
+                    <a:avLst/>
+                  </a:prstGeom>
+                  <a:blipFill rotWithShape="0">
+                    <a:blip r:embed="rId7"/>
+                    <a:stretch>
+                      <a:fillRect l="-7377" r="-8197" b="-6522"/>
+                    </a:stretch>
+                  </a:blipFill>
+                </p:spPr>
+                <p:txBody>
+                  <a:bodyPr/>
+                  <a:lstStyle/>
+                  <a:p>
+                    <a:r>
+                      <a:rPr lang="en-US">
+                        <a:noFill/>
+                      </a:rPr>
+                      <a:t> </a:t>
+                    </a:r>
+                  </a:p>
+                </p:txBody>
+              </p:sp>
+            </mc:Fallback>
+          </mc:AlternateContent>
+          <mc:AlternateContent xmlns:mc="http://schemas.openxmlformats.org/markup-compatibility/2006">
+            <mc:Choice xmlns:a14="http://schemas.microsoft.com/office/drawing/2010/main" Requires="a14">
+              <p:sp>
+                <p:nvSpPr>
+                  <p:cNvPr id="29" name="TextBox 28"/>
+                  <p:cNvSpPr txBox="1"/>
+                  <p:nvPr/>
+                </p:nvSpPr>
+                <p:spPr>
+                  <a:xfrm>
+                    <a:off x="2531882" y="3076973"/>
+                    <a:ext cx="445421" cy="276999"/>
+                  </a:xfrm>
+                  <a:prstGeom prst="rect">
+                    <a:avLst/>
+                  </a:prstGeom>
+                  <a:noFill/>
+                </p:spPr>
+                <p:txBody>
+                  <a:bodyPr wrap="square" lIns="0" tIns="0" rIns="0" bIns="0" rtlCol="0">
+                    <a:spAutoFit/>
+                  </a:bodyPr>
+                  <a:lstStyle/>
+                  <a:p>
+                    <a14:m>
+                      <m:oMathPara xmlns:m="http://schemas.openxmlformats.org/officeDocument/2006/math">
+                        <m:oMathParaPr>
+                          <m:jc m:val="centerGroup"/>
+                        </m:oMathParaPr>
+                        <m:oMath xmlns:m="http://schemas.openxmlformats.org/officeDocument/2006/math">
+                          <m:r>
+                            <a:rPr lang="en-CA" b="0" i="1" smtClean="0">
+                              <a:latin typeface="Cambria Math" charset="0"/>
+                            </a:rPr>
+                            <m:t>0</m:t>
+                          </m:r>
+                        </m:oMath>
+                      </m:oMathPara>
+                    </a14:m>
+                    <a:endParaRPr lang="en-US" dirty="0"/>
+                  </a:p>
+                </p:txBody>
+              </p:sp>
+            </mc:Choice>
+            <mc:Fallback>
+              <p:sp>
+                <p:nvSpPr>
+                  <p:cNvPr id="29" name="TextBox 28"/>
+                  <p:cNvSpPr txBox="1">
+                    <a:spLocks noRot="1" noChangeAspect="1" noMove="1" noResize="1" noEditPoints="1" noAdjustHandles="1" noChangeArrowheads="1" noChangeShapeType="1" noTextEdit="1"/>
+                  </p:cNvSpPr>
+                  <p:nvPr/>
+                </p:nvSpPr>
+                <p:spPr>
+                  <a:xfrm>
+                    <a:off x="2531882" y="3076973"/>
+                    <a:ext cx="445421" cy="276999"/>
+                  </a:xfrm>
+                  <a:prstGeom prst="rect">
+                    <a:avLst/>
+                  </a:prstGeom>
+                  <a:blipFill rotWithShape="0">
+                    <a:blip r:embed="rId8"/>
+                    <a:stretch>
+                      <a:fillRect b="-6667"/>
+                    </a:stretch>
+                  </a:blipFill>
+                </p:spPr>
+                <p:txBody>
+                  <a:bodyPr/>
+                  <a:lstStyle/>
+                  <a:p>
+                    <a:r>
+                      <a:rPr lang="en-US">
+                        <a:noFill/>
+                      </a:rPr>
+                      <a:t> </a:t>
+                    </a:r>
+                  </a:p>
+                </p:txBody>
+              </p:sp>
+            </mc:Fallback>
+          </mc:AlternateContent>
+        </p:grpSp>
         <p:cxnSp>
           <p:nvCxnSpPr>
-            <p:cNvPr id="15" name="Straight Arrow Connector 14"/>
+            <p:cNvPr id="12" name="Straight Arrow Connector 11"/>
             <p:cNvCxnSpPr/>
             <p:nvPr/>
           </p:nvCxnSpPr>
           <p:spPr>
-            <a:xfrm flipV="1">
-              <a:off x="3642791" y="1424763"/>
-              <a:ext cx="850605" cy="961251"/>
+            <a:xfrm>
+              <a:off x="6470130" y="1214011"/>
+              <a:ext cx="0" cy="1944873"/>
             </a:xfrm>
             <a:prstGeom prst="straightConnector1">
               <a:avLst/>
             </a:prstGeom>
-            <a:ln w="38100">
+            <a:ln w="28575">
               <a:solidFill>
                 <a:schemeClr val="tx1"/>
               </a:solidFill>
+              <a:headEnd type="triangle"/>
               <a:tailEnd type="triangle"/>
             </a:ln>
           </p:spPr>
@@ -6364,571 +7155,6 @@
             </a:fontRef>
           </p:style>
         </p:cxnSp>
-        <mc:AlternateContent xmlns:mc="http://schemas.openxmlformats.org/markup-compatibility/2006" xmlns:a14="http://schemas.microsoft.com/office/drawing/2010/main">
-          <mc:Choice Requires="a14">
-            <p:sp>
-              <p:nvSpPr>
-                <p:cNvPr id="18" name="TextBox 17"/>
-                <p:cNvSpPr txBox="1"/>
-                <p:nvPr/>
-              </p:nvSpPr>
-              <p:spPr>
-                <a:xfrm>
-                  <a:off x="3561668" y="1628389"/>
-                  <a:ext cx="407612" cy="553998"/>
-                </a:xfrm>
-                <a:prstGeom prst="rect">
-                  <a:avLst/>
-                </a:prstGeom>
-                <a:noFill/>
-              </p:spPr>
-              <p:txBody>
-                <a:bodyPr wrap="none" lIns="0" tIns="0" rIns="0" bIns="0" rtlCol="0">
-                  <a:spAutoFit/>
-                </a:bodyPr>
-                <a:lstStyle/>
-                <a:p>
-                  <a:pPr/>
-                  <a14:m>
-                    <m:oMathPara xmlns:m="http://schemas.openxmlformats.org/officeDocument/2006/math">
-                      <m:oMathParaPr>
-                        <m:jc m:val="centerGroup"/>
-                      </m:oMathParaPr>
-                      <m:oMath xmlns:m="http://schemas.openxmlformats.org/officeDocument/2006/math">
-                        <m:sSub>
-                          <m:sSubPr>
-                            <m:ctrlPr>
-                              <a:rPr lang="en-CA" b="0" i="1" smtClean="0">
-                                <a:latin typeface="Cambria Math" charset="0"/>
-                              </a:rPr>
-                            </m:ctrlPr>
-                          </m:sSubPr>
-                          <m:e>
-                            <m:acc>
-                              <m:accPr>
-                                <m:chr m:val="⃗"/>
-                                <m:ctrlPr>
-                                  <a:rPr lang="en-CA" b="0" i="1" smtClean="0">
-                                    <a:latin typeface="Cambria Math" charset="0"/>
-                                  </a:rPr>
-                                </m:ctrlPr>
-                              </m:accPr>
-                              <m:e>
-                                <m:r>
-                                  <a:rPr lang="en-CA" b="0" i="1" smtClean="0">
-                                    <a:latin typeface="Cambria Math" charset="0"/>
-                                  </a:rPr>
-                                  <m:t>𝑣</m:t>
-                                </m:r>
-                              </m:e>
-                            </m:acc>
-                          </m:e>
-                          <m:sub>
-                            <m:r>
-                              <a:rPr lang="en-CA" b="0" i="1" smtClean="0">
-                                <a:latin typeface="Cambria Math" charset="0"/>
-                              </a:rPr>
-                              <m:t>0</m:t>
-                            </m:r>
-                          </m:sub>
-                        </m:sSub>
-                      </m:oMath>
-                    </m:oMathPara>
-                  </a14:m>
-                  <a:endParaRPr lang="en-CA" b="0" dirty="0" smtClean="0"/>
-                </a:p>
-                <a:p>
-                  <a:endParaRPr lang="en-US" dirty="0"/>
-                </a:p>
-              </p:txBody>
-            </p:sp>
-          </mc:Choice>
-          <mc:Fallback xmlns="">
-            <p:sp>
-              <p:nvSpPr>
-                <p:cNvPr id="18" name="TextBox 17"/>
-                <p:cNvSpPr txBox="1">
-                  <a:spLocks noRot="1" noChangeAspect="1" noMove="1" noResize="1" noEditPoints="1" noAdjustHandles="1" noChangeArrowheads="1" noChangeShapeType="1" noTextEdit="1"/>
-                </p:cNvSpPr>
-                <p:nvPr/>
-              </p:nvSpPr>
-              <p:spPr>
-                <a:xfrm>
-                  <a:off x="3561668" y="1628389"/>
-                  <a:ext cx="407612" cy="553998"/>
-                </a:xfrm>
-                <a:prstGeom prst="rect">
-                  <a:avLst/>
-                </a:prstGeom>
-                <a:blipFill rotWithShape="0">
-                  <a:blip r:embed="rId2"/>
-                  <a:stretch>
-                    <a:fillRect t="-20000" r="-44776"/>
-                  </a:stretch>
-                </a:blipFill>
-              </p:spPr>
-              <p:txBody>
-                <a:bodyPr/>
-                <a:lstStyle/>
-                <a:p>
-                  <a:r>
-                    <a:rPr lang="en-US">
-                      <a:noFill/>
-                    </a:rPr>
-                    <a:t> </a:t>
-                  </a:r>
-                </a:p>
-              </p:txBody>
-            </p:sp>
-          </mc:Fallback>
-        </mc:AlternateContent>
-        <p:cxnSp>
-          <p:nvCxnSpPr>
-            <p:cNvPr id="20" name="Straight Connector 19"/>
-            <p:cNvCxnSpPr/>
-            <p:nvPr/>
-          </p:nvCxnSpPr>
-          <p:spPr>
-            <a:xfrm>
-              <a:off x="6631951" y="1159328"/>
-              <a:ext cx="0" cy="1836000"/>
-            </a:xfrm>
-            <a:prstGeom prst="line">
-              <a:avLst/>
-            </a:prstGeom>
-            <a:ln w="28575">
-              <a:solidFill>
-                <a:schemeClr val="tx1"/>
-              </a:solidFill>
-            </a:ln>
-          </p:spPr>
-          <p:style>
-            <a:lnRef idx="1">
-              <a:schemeClr val="accent1"/>
-            </a:lnRef>
-            <a:fillRef idx="0">
-              <a:schemeClr val="accent1"/>
-            </a:fillRef>
-            <a:effectRef idx="0">
-              <a:schemeClr val="accent1"/>
-            </a:effectRef>
-            <a:fontRef idx="minor">
-              <a:schemeClr val="tx1"/>
-            </a:fontRef>
-          </p:style>
-        </p:cxnSp>
-        <p:cxnSp>
-          <p:nvCxnSpPr>
-            <p:cNvPr id="21" name="Straight Connector 20"/>
-            <p:cNvCxnSpPr/>
-            <p:nvPr/>
-          </p:nvCxnSpPr>
-          <p:spPr>
-            <a:xfrm>
-              <a:off x="6541951" y="3007526"/>
-              <a:ext cx="180000" cy="0"/>
-            </a:xfrm>
-            <a:prstGeom prst="line">
-              <a:avLst/>
-            </a:prstGeom>
-            <a:ln w="28575">
-              <a:solidFill>
-                <a:schemeClr val="tx1"/>
-              </a:solidFill>
-            </a:ln>
-          </p:spPr>
-          <p:style>
-            <a:lnRef idx="1">
-              <a:schemeClr val="accent1"/>
-            </a:lnRef>
-            <a:fillRef idx="0">
-              <a:schemeClr val="accent1"/>
-            </a:fillRef>
-            <a:effectRef idx="0">
-              <a:schemeClr val="accent1"/>
-            </a:effectRef>
-            <a:fontRef idx="minor">
-              <a:schemeClr val="tx1"/>
-            </a:fontRef>
-          </p:style>
-        </p:cxnSp>
-        <p:cxnSp>
-          <p:nvCxnSpPr>
-            <p:cNvPr id="23" name="Straight Connector 22"/>
-            <p:cNvCxnSpPr/>
-            <p:nvPr/>
-          </p:nvCxnSpPr>
-          <p:spPr>
-            <a:xfrm>
-              <a:off x="6547417" y="1144534"/>
-              <a:ext cx="180000" cy="0"/>
-            </a:xfrm>
-            <a:prstGeom prst="line">
-              <a:avLst/>
-            </a:prstGeom>
-            <a:ln w="28575">
-              <a:solidFill>
-                <a:schemeClr val="tx1"/>
-              </a:solidFill>
-            </a:ln>
-          </p:spPr>
-          <p:style>
-            <a:lnRef idx="1">
-              <a:schemeClr val="accent1"/>
-            </a:lnRef>
-            <a:fillRef idx="0">
-              <a:schemeClr val="accent1"/>
-            </a:fillRef>
-            <a:effectRef idx="0">
-              <a:schemeClr val="accent1"/>
-            </a:effectRef>
-            <a:fontRef idx="minor">
-              <a:schemeClr val="tx1"/>
-            </a:fontRef>
-          </p:style>
-        </p:cxnSp>
-        <mc:AlternateContent xmlns:mc="http://schemas.openxmlformats.org/markup-compatibility/2006" xmlns:a14="http://schemas.microsoft.com/office/drawing/2010/main">
-          <mc:Choice Requires="a14">
-            <p:sp>
-              <p:nvSpPr>
-                <p:cNvPr id="24" name="TextBox 23"/>
-                <p:cNvSpPr txBox="1"/>
-                <p:nvPr/>
-              </p:nvSpPr>
-              <p:spPr>
-                <a:xfrm>
-                  <a:off x="6716486" y="1983194"/>
-                  <a:ext cx="601127" cy="276999"/>
-                </a:xfrm>
-                <a:prstGeom prst="rect">
-                  <a:avLst/>
-                </a:prstGeom>
-                <a:noFill/>
-              </p:spPr>
-              <p:txBody>
-                <a:bodyPr wrap="none" lIns="0" tIns="0" rIns="0" bIns="0" rtlCol="0">
-                  <a:spAutoFit/>
-                </a:bodyPr>
-                <a:lstStyle/>
-                <a:p>
-                  <a:pPr/>
-                  <a14:m>
-                    <m:oMathPara xmlns:m="http://schemas.openxmlformats.org/officeDocument/2006/math">
-                      <m:oMathParaPr>
-                        <m:jc m:val="centerGroup"/>
-                      </m:oMathParaPr>
-                      <m:oMath xmlns:m="http://schemas.openxmlformats.org/officeDocument/2006/math">
-                        <m:r>
-                          <a:rPr lang="en-CA" b="0" i="1" smtClean="0">
-                            <a:latin typeface="Cambria Math" charset="0"/>
-                          </a:rPr>
-                          <m:t>0.5</m:t>
-                        </m:r>
-                        <m:r>
-                          <m:rPr>
-                            <m:nor/>
-                          </m:rPr>
-                          <a:rPr lang="en-CA" b="0" i="0" smtClean="0">
-                            <a:latin typeface="Cambria Math" charset="0"/>
-                          </a:rPr>
-                          <m:t> </m:t>
-                        </m:r>
-                        <m:r>
-                          <m:rPr>
-                            <m:nor/>
-                          </m:rPr>
-                          <a:rPr lang="en-CA" b="0" i="0" smtClean="0">
-                            <a:latin typeface="Cambria Math" charset="0"/>
-                          </a:rPr>
-                          <m:t>m</m:t>
-                        </m:r>
-                      </m:oMath>
-                    </m:oMathPara>
-                  </a14:m>
-                  <a:endParaRPr lang="en-US" dirty="0"/>
-                </a:p>
-              </p:txBody>
-            </p:sp>
-          </mc:Choice>
-          <mc:Fallback xmlns="">
-            <p:sp>
-              <p:nvSpPr>
-                <p:cNvPr id="24" name="TextBox 23"/>
-                <p:cNvSpPr txBox="1">
-                  <a:spLocks noRot="1" noChangeAspect="1" noMove="1" noResize="1" noEditPoints="1" noAdjustHandles="1" noChangeArrowheads="1" noChangeShapeType="1" noTextEdit="1"/>
-                </p:cNvSpPr>
-                <p:nvPr/>
-              </p:nvSpPr>
-              <p:spPr>
-                <a:xfrm>
-                  <a:off x="6716486" y="1983194"/>
-                  <a:ext cx="601127" cy="276999"/>
-                </a:xfrm>
-                <a:prstGeom prst="rect">
-                  <a:avLst/>
-                </a:prstGeom>
-                <a:blipFill rotWithShape="0">
-                  <a:blip r:embed="rId3"/>
-                  <a:stretch>
-                    <a:fillRect l="-9184" t="-146667" r="-6122" b="-180000"/>
-                  </a:stretch>
-                </a:blipFill>
-              </p:spPr>
-              <p:txBody>
-                <a:bodyPr/>
-                <a:lstStyle/>
-                <a:p>
-                  <a:r>
-                    <a:rPr lang="en-US">
-                      <a:noFill/>
-                    </a:rPr>
-                    <a:t> </a:t>
-                  </a:r>
-                </a:p>
-              </p:txBody>
-            </p:sp>
-          </mc:Fallback>
-        </mc:AlternateContent>
-        <p:cxnSp>
-          <p:nvCxnSpPr>
-            <p:cNvPr id="25" name="Straight Arrow Connector 24"/>
-            <p:cNvCxnSpPr/>
-            <p:nvPr/>
-          </p:nvCxnSpPr>
-          <p:spPr>
-            <a:xfrm flipV="1">
-              <a:off x="2943223" y="582604"/>
-              <a:ext cx="3190" cy="2484000"/>
-            </a:xfrm>
-            <a:prstGeom prst="straightConnector1">
-              <a:avLst/>
-            </a:prstGeom>
-            <a:ln w="28575">
-              <a:solidFill>
-                <a:schemeClr val="tx1"/>
-              </a:solidFill>
-              <a:tailEnd type="triangle"/>
-            </a:ln>
-          </p:spPr>
-          <p:style>
-            <a:lnRef idx="1">
-              <a:schemeClr val="accent1"/>
-            </a:lnRef>
-            <a:fillRef idx="0">
-              <a:schemeClr val="accent1"/>
-            </a:fillRef>
-            <a:effectRef idx="0">
-              <a:schemeClr val="accent1"/>
-            </a:effectRef>
-            <a:fontRef idx="minor">
-              <a:schemeClr val="tx1"/>
-            </a:fontRef>
-          </p:style>
-        </p:cxnSp>
-        <p:cxnSp>
-          <p:nvCxnSpPr>
-            <p:cNvPr id="26" name="Straight Arrow Connector 25"/>
-            <p:cNvCxnSpPr/>
-            <p:nvPr/>
-          </p:nvCxnSpPr>
-          <p:spPr>
-            <a:xfrm flipV="1">
-              <a:off x="3008537" y="3100946"/>
-              <a:ext cx="7668000" cy="0"/>
-            </a:xfrm>
-            <a:prstGeom prst="straightConnector1">
-              <a:avLst/>
-            </a:prstGeom>
-            <a:ln w="28575">
-              <a:solidFill>
-                <a:schemeClr val="tx1"/>
-              </a:solidFill>
-              <a:tailEnd type="triangle"/>
-            </a:ln>
-          </p:spPr>
-          <p:style>
-            <a:lnRef idx="1">
-              <a:schemeClr val="accent1"/>
-            </a:lnRef>
-            <a:fillRef idx="0">
-              <a:schemeClr val="accent1"/>
-            </a:fillRef>
-            <a:effectRef idx="0">
-              <a:schemeClr val="accent1"/>
-            </a:effectRef>
-            <a:fontRef idx="minor">
-              <a:schemeClr val="tx1"/>
-            </a:fontRef>
-          </p:style>
-        </p:cxnSp>
-        <mc:AlternateContent xmlns:mc="http://schemas.openxmlformats.org/markup-compatibility/2006" xmlns:a14="http://schemas.microsoft.com/office/drawing/2010/main">
-          <mc:Choice Requires="a14">
-            <p:sp>
-              <p:nvSpPr>
-                <p:cNvPr id="27" name="TextBox 26"/>
-                <p:cNvSpPr txBox="1"/>
-                <p:nvPr/>
-              </p:nvSpPr>
-              <p:spPr>
-                <a:xfrm>
-                  <a:off x="10705212" y="2954578"/>
-                  <a:ext cx="183319" cy="276999"/>
-                </a:xfrm>
-                <a:prstGeom prst="rect">
-                  <a:avLst/>
-                </a:prstGeom>
-                <a:noFill/>
-              </p:spPr>
-              <p:txBody>
-                <a:bodyPr wrap="none" lIns="0" tIns="0" rIns="0" bIns="0" rtlCol="0">
-                  <a:spAutoFit/>
-                </a:bodyPr>
-                <a:lstStyle/>
-                <a:p>
-                  <a:pPr/>
-                  <a14:m>
-                    <m:oMathPara xmlns:m="http://schemas.openxmlformats.org/officeDocument/2006/math">
-                      <m:oMathParaPr>
-                        <m:jc m:val="centerGroup"/>
-                      </m:oMathParaPr>
-                      <m:oMath xmlns:m="http://schemas.openxmlformats.org/officeDocument/2006/math">
-                        <m:r>
-                          <a:rPr lang="en-CA" b="0" i="1" smtClean="0">
-                            <a:latin typeface="Cambria Math" charset="0"/>
-                          </a:rPr>
-                          <m:t>𝑥</m:t>
-                        </m:r>
-                      </m:oMath>
-                    </m:oMathPara>
-                  </a14:m>
-                  <a:endParaRPr lang="en-US" dirty="0"/>
-                </a:p>
-              </p:txBody>
-            </p:sp>
-          </mc:Choice>
-          <mc:Fallback xmlns="">
-            <p:sp>
-              <p:nvSpPr>
-                <p:cNvPr id="27" name="TextBox 26"/>
-                <p:cNvSpPr txBox="1">
-                  <a:spLocks noRot="1" noChangeAspect="1" noMove="1" noResize="1" noEditPoints="1" noAdjustHandles="1" noChangeArrowheads="1" noChangeShapeType="1" noTextEdit="1"/>
-                </p:cNvSpPr>
-                <p:nvPr/>
-              </p:nvSpPr>
-              <p:spPr>
-                <a:xfrm>
-                  <a:off x="10705212" y="2954578"/>
-                  <a:ext cx="183319" cy="276999"/>
-                </a:xfrm>
-                <a:prstGeom prst="rect">
-                  <a:avLst/>
-                </a:prstGeom>
-                <a:blipFill rotWithShape="0">
-                  <a:blip r:embed="rId4"/>
-                  <a:stretch>
-                    <a:fillRect l="-16667" r="-13333"/>
-                  </a:stretch>
-                </a:blipFill>
-              </p:spPr>
-              <p:txBody>
-                <a:bodyPr/>
-                <a:lstStyle/>
-                <a:p>
-                  <a:r>
-                    <a:rPr lang="en-US">
-                      <a:noFill/>
-                    </a:rPr>
-                    <a:t> </a:t>
-                  </a:r>
-                </a:p>
-              </p:txBody>
-            </p:sp>
-          </mc:Fallback>
-        </mc:AlternateContent>
-        <mc:AlternateContent xmlns:mc="http://schemas.openxmlformats.org/markup-compatibility/2006" xmlns:a14="http://schemas.microsoft.com/office/drawing/2010/main">
-          <mc:Choice Requires="a14">
-            <p:sp>
-              <p:nvSpPr>
-                <p:cNvPr id="28" name="TextBox 27"/>
-                <p:cNvSpPr txBox="1"/>
-                <p:nvPr/>
-              </p:nvSpPr>
-              <p:spPr>
-                <a:xfrm>
-                  <a:off x="2831009" y="262973"/>
-                  <a:ext cx="186718" cy="276999"/>
-                </a:xfrm>
-                <a:prstGeom prst="rect">
-                  <a:avLst/>
-                </a:prstGeom>
-                <a:noFill/>
-              </p:spPr>
-              <p:txBody>
-                <a:bodyPr wrap="none" lIns="0" tIns="0" rIns="0" bIns="0" rtlCol="0">
-                  <a:spAutoFit/>
-                </a:bodyPr>
-                <a:lstStyle/>
-                <a:p>
-                  <a:pPr/>
-                  <a14:m>
-                    <m:oMathPara xmlns:m="http://schemas.openxmlformats.org/officeDocument/2006/math">
-                      <m:oMathParaPr>
-                        <m:jc m:val="centerGroup"/>
-                      </m:oMathParaPr>
-                      <m:oMath xmlns:m="http://schemas.openxmlformats.org/officeDocument/2006/math">
-                        <m:r>
-                          <a:rPr lang="en-CA" b="0" i="1" smtClean="0">
-                            <a:latin typeface="Cambria Math" charset="0"/>
-                          </a:rPr>
-                          <m:t>𝑦</m:t>
-                        </m:r>
-                      </m:oMath>
-                    </m:oMathPara>
-                  </a14:m>
-                  <a:endParaRPr lang="en-US" dirty="0"/>
-                </a:p>
-              </p:txBody>
-            </p:sp>
-          </mc:Choice>
-          <mc:Fallback xmlns="">
-            <p:sp>
-              <p:nvSpPr>
-                <p:cNvPr id="28" name="TextBox 27"/>
-                <p:cNvSpPr txBox="1">
-                  <a:spLocks noRot="1" noChangeAspect="1" noMove="1" noResize="1" noEditPoints="1" noAdjustHandles="1" noChangeArrowheads="1" noChangeShapeType="1" noTextEdit="1"/>
-                </p:cNvSpPr>
-                <p:nvPr/>
-              </p:nvSpPr>
-              <p:spPr>
-                <a:xfrm>
-                  <a:off x="2831009" y="262973"/>
-                  <a:ext cx="186718" cy="276999"/>
-                </a:xfrm>
-                <a:prstGeom prst="rect">
-                  <a:avLst/>
-                </a:prstGeom>
-                <a:blipFill rotWithShape="0">
-                  <a:blip r:embed="rId5"/>
-                  <a:stretch>
-                    <a:fillRect l="-29032" r="-25806" b="-24444"/>
-                  </a:stretch>
-                </a:blipFill>
-              </p:spPr>
-              <p:txBody>
-                <a:bodyPr/>
-                <a:lstStyle/>
-                <a:p>
-                  <a:r>
-                    <a:rPr lang="en-US">
-                      <a:noFill/>
-                    </a:rPr>
-                    <a:t> </a:t>
-                  </a:r>
-                </a:p>
-              </p:txBody>
-            </p:sp>
-          </mc:Fallback>
-        </mc:AlternateContent>
       </p:grpSp>
     </p:spTree>
     <p:extLst>
